--- a/files/DevInsights_final.pptx
+++ b/files/DevInsights_final.pptx
@@ -17,14 +17,14 @@
     <p:sldId id="270" r:id="rId8"/>
     <p:sldId id="279" r:id="rId9"/>
     <p:sldId id="271" r:id="rId10"/>
-    <p:sldId id="287" r:id="rId11"/>
-    <p:sldId id="284" r:id="rId12"/>
-    <p:sldId id="280" r:id="rId13"/>
-    <p:sldId id="283" r:id="rId14"/>
-    <p:sldId id="288" r:id="rId15"/>
-    <p:sldId id="282" r:id="rId16"/>
-    <p:sldId id="285" r:id="rId17"/>
-    <p:sldId id="286" r:id="rId18"/>
+    <p:sldId id="284" r:id="rId11"/>
+    <p:sldId id="280" r:id="rId12"/>
+    <p:sldId id="283" r:id="rId13"/>
+    <p:sldId id="288" r:id="rId14"/>
+    <p:sldId id="282" r:id="rId15"/>
+    <p:sldId id="285" r:id="rId16"/>
+    <p:sldId id="286" r:id="rId17"/>
+    <p:sldId id="287" r:id="rId18"/>
     <p:sldId id="278" r:id="rId19"/>
     <p:sldId id="268" r:id="rId20"/>
   </p:sldIdLst>
@@ -226,7 +226,7 @@
           <a:p>
             <a:fld id="{25D2B5EB-424D-4C39-A8AB-65F1D7895EF3}" type="datetimeFigureOut">
               <a:rPr lang="en-US" smtClean="0"/>
-              <a:t>3/24/2025</a:t>
+              <a:t>3/25/2025</a:t>
             </a:fld>
             <a:endParaRPr lang="en-US"/>
           </a:p>
@@ -395,7 +395,7 @@
           <a:p>
             <a:fld id="{888BC1CF-45D5-4DEE-AAB8-8C5341844FC9}" type="datetimeFigureOut">
               <a:rPr lang="en-US" smtClean="0"/>
-              <a:t>3/24/2025</a:t>
+              <a:t>3/25/2025</a:t>
             </a:fld>
             <a:endParaRPr lang="en-US"/>
           </a:p>
@@ -3669,7 +3669,48 @@
                 <a:ea typeface="MS PGothic" panose="020B0600070205080204" charset="-128"/>
                 <a:cs typeface="Times New Roman" panose="02020603050405020304" pitchFamily="18" charset="0"/>
               </a:rPr>
-              <a:t>Ishaan Singla - 2210992582</a:t>
+              <a:t>Ishaan Singla – 2210992582</a:t>
+            </a:r>
+          </a:p>
+          <a:p>
+            <a:pPr algn="ctr">
+              <a:lnSpc>
+                <a:spcPct val="100000"/>
+              </a:lnSpc>
+              <a:spcBef>
+                <a:spcPts val="400"/>
+              </a:spcBef>
+            </a:pPr>
+            <a:r>
+              <a:rPr lang="en-US" sz="1800" spc="-10" dirty="0">
+                <a:effectLst/>
+                <a:latin typeface="Times New Roman" panose="02020603050405020304" pitchFamily="18" charset="0"/>
+                <a:ea typeface="Times New Roman" panose="02020603050405020304" pitchFamily="18" charset="0"/>
+              </a:rPr>
+              <a:t>Nutan</a:t>
+            </a:r>
+            <a:r>
+              <a:rPr lang="en-IN" sz="1800" spc="-1" dirty="0">
+                <a:solidFill>
+                  <a:srgbClr val="000000"/>
+                </a:solidFill>
+                <a:effectLst/>
+                <a:latin typeface="Times New Roman" panose="02020603050405020304" pitchFamily="18" charset="0"/>
+                <a:ea typeface="MS PGothic" panose="020B0600070205080204" charset="-128"/>
+                <a:cs typeface="Times New Roman" panose="02020603050405020304" pitchFamily="18" charset="0"/>
+              </a:rPr>
+              <a:t> </a:t>
+            </a:r>
+            <a:r>
+              <a:rPr lang="en-IN" altLang="en-US" b="0" strike="noStrike" spc="-1" dirty="0">
+                <a:solidFill>
+                  <a:srgbClr val="000000"/>
+                </a:solidFill>
+                <a:latin typeface="Times New Roman" panose="02020603050405020304" pitchFamily="18" charset="0"/>
+                <a:ea typeface="MS PGothic" panose="020B0600070205080204" charset="-128"/>
+                <a:cs typeface="Times New Roman" panose="02020603050405020304" pitchFamily="18" charset="0"/>
+              </a:rPr>
+              <a:t>– 2210992005</a:t>
             </a:r>
           </a:p>
           <a:p>
@@ -3850,72 +3891,6 @@
 </file>
 
 <file path=ppt/slides/slide10.xml><?xml version="1.0" encoding="utf-8"?>
-<p:sld xmlns:a="http://schemas.openxmlformats.org/drawingml/2006/main" xmlns:r="http://schemas.openxmlformats.org/officeDocument/2006/relationships" xmlns:p="http://schemas.openxmlformats.org/presentationml/2006/main">
-  <p:cSld>
-    <p:spTree>
-      <p:nvGrpSpPr>
-        <p:cNvPr id="1" name=""/>
-        <p:cNvGrpSpPr/>
-        <p:nvPr/>
-      </p:nvGrpSpPr>
-      <p:grpSpPr>
-        <a:xfrm>
-          <a:off x="0" y="0"/>
-          <a:ext cx="0" cy="0"/>
-          <a:chOff x="0" y="0"/>
-          <a:chExt cx="0" cy="0"/>
-        </a:xfrm>
-      </p:grpSpPr>
-      <p:pic>
-        <p:nvPicPr>
-          <p:cNvPr id="3" name="Picture 2">
-            <a:extLst>
-              <a:ext uri="{FF2B5EF4-FFF2-40B4-BE49-F238E27FC236}">
-                <a16:creationId xmlns:a16="http://schemas.microsoft.com/office/drawing/2014/main" id="{603D8BD8-FD66-2547-EE0F-A0637389F156}"/>
-              </a:ext>
-            </a:extLst>
-          </p:cNvPr>
-          <p:cNvPicPr>
-            <a:picLocks noChangeAspect="1"/>
-          </p:cNvPicPr>
-          <p:nvPr/>
-        </p:nvPicPr>
-        <p:blipFill>
-          <a:blip r:embed="rId2">
-            <a:extLst>
-              <a:ext uri="{28A0092B-C50C-407E-A947-70E740481C1C}">
-                <a14:useLocalDpi xmlns:a14="http://schemas.microsoft.com/office/drawing/2010/main" val="0"/>
-              </a:ext>
-            </a:extLst>
-          </a:blip>
-          <a:stretch>
-            <a:fillRect/>
-          </a:stretch>
-        </p:blipFill>
-        <p:spPr>
-          <a:xfrm>
-            <a:off x="401215" y="1662891"/>
-            <a:ext cx="8035911" cy="3842170"/>
-          </a:xfrm>
-          <a:prstGeom prst="rect">
-            <a:avLst/>
-          </a:prstGeom>
-        </p:spPr>
-      </p:pic>
-    </p:spTree>
-    <p:extLst>
-      <p:ext uri="{BB962C8B-B14F-4D97-AF65-F5344CB8AC3E}">
-        <p14:creationId xmlns:p14="http://schemas.microsoft.com/office/powerpoint/2010/main" val="3640956502"/>
-      </p:ext>
-    </p:extLst>
-  </p:cSld>
-  <p:clrMapOvr>
-    <a:masterClrMapping/>
-  </p:clrMapOvr>
-</p:sld>
-</file>
-
-<file path=ppt/slides/slide11.xml><?xml version="1.0" encoding="utf-8"?>
 <p:sld xmlns:a="http://schemas.openxmlformats.org/drawingml/2006/main" xmlns:r="http://schemas.openxmlformats.org/officeDocument/2006/relationships" xmlns:p="http://schemas.openxmlformats.org/presentationml/2006/main">
   <p:cSld>
     <p:spTree>
@@ -3981,7 +3956,7 @@
 </p:sld>
 </file>
 
-<file path=ppt/slides/slide12.xml><?xml version="1.0" encoding="utf-8"?>
+<file path=ppt/slides/slide11.xml><?xml version="1.0" encoding="utf-8"?>
 <p:sld xmlns:a="http://schemas.openxmlformats.org/drawingml/2006/main" xmlns:r="http://schemas.openxmlformats.org/officeDocument/2006/relationships" xmlns:p="http://schemas.openxmlformats.org/presentationml/2006/main">
   <p:cSld>
     <p:spTree>
@@ -4041,7 +4016,7 @@
 </p:sld>
 </file>
 
-<file path=ppt/slides/slide13.xml><?xml version="1.0" encoding="utf-8"?>
+<file path=ppt/slides/slide12.xml><?xml version="1.0" encoding="utf-8"?>
 <p:sld xmlns:a="http://schemas.openxmlformats.org/drawingml/2006/main" xmlns:r="http://schemas.openxmlformats.org/officeDocument/2006/relationships" xmlns:p="http://schemas.openxmlformats.org/presentationml/2006/main">
   <p:cSld>
     <p:spTree>
@@ -4143,7 +4118,7 @@
 </p:sld>
 </file>
 
-<file path=ppt/slides/slide14.xml><?xml version="1.0" encoding="utf-8"?>
+<file path=ppt/slides/slide13.xml><?xml version="1.0" encoding="utf-8"?>
 <p:sld xmlns:a="http://schemas.openxmlformats.org/drawingml/2006/main" xmlns:r="http://schemas.openxmlformats.org/officeDocument/2006/relationships" xmlns:p="http://schemas.openxmlformats.org/presentationml/2006/main">
   <p:cSld>
     <p:spTree>
@@ -4200,6 +4175,229 @@
     <p:extLst>
       <p:ext uri="{BB962C8B-B14F-4D97-AF65-F5344CB8AC3E}">
         <p14:creationId xmlns:p14="http://schemas.microsoft.com/office/powerpoint/2010/main" val="2550703742"/>
+      </p:ext>
+    </p:extLst>
+  </p:cSld>
+  <p:clrMapOvr>
+    <a:masterClrMapping/>
+  </p:clrMapOvr>
+</p:sld>
+</file>
+
+<file path=ppt/slides/slide14.xml><?xml version="1.0" encoding="utf-8"?>
+<p:sld xmlns:a="http://schemas.openxmlformats.org/drawingml/2006/main" xmlns:r="http://schemas.openxmlformats.org/officeDocument/2006/relationships" xmlns:p="http://schemas.openxmlformats.org/presentationml/2006/main">
+  <p:cSld>
+    <p:spTree>
+      <p:nvGrpSpPr>
+        <p:cNvPr id="1" name=""/>
+        <p:cNvGrpSpPr/>
+        <p:nvPr/>
+      </p:nvGrpSpPr>
+      <p:grpSpPr>
+        <a:xfrm>
+          <a:off x="0" y="0"/>
+          <a:ext cx="0" cy="0"/>
+          <a:chOff x="0" y="0"/>
+          <a:chExt cx="0" cy="0"/>
+        </a:xfrm>
+      </p:grpSpPr>
+      <p:sp>
+        <p:nvSpPr>
+          <p:cNvPr id="2" name="Title 1">
+            <a:extLst>
+              <a:ext uri="{FF2B5EF4-FFF2-40B4-BE49-F238E27FC236}">
+                <a16:creationId xmlns:a16="http://schemas.microsoft.com/office/drawing/2014/main" id="{6ABC4400-13B6-285C-5362-FD2E0F45643D}"/>
+              </a:ext>
+            </a:extLst>
+          </p:cNvPr>
+          <p:cNvSpPr>
+            <a:spLocks noGrp="1"/>
+          </p:cNvSpPr>
+          <p:nvPr>
+            <p:ph type="title"/>
+          </p:nvPr>
+        </p:nvSpPr>
+        <p:spPr>
+          <a:xfrm>
+            <a:off x="2286000" y="1026367"/>
+            <a:ext cx="3900196" cy="821093"/>
+          </a:xfrm>
+        </p:spPr>
+        <p:txBody>
+          <a:bodyPr/>
+          <a:lstStyle/>
+          <a:p>
+            <a:r>
+              <a:rPr lang="en-IN" dirty="0"/>
+              <a:t>   </a:t>
+            </a:r>
+            <a:r>
+              <a:rPr lang="en-IN" dirty="0">
+                <a:latin typeface="Times New Roman" panose="02020603050405020304" pitchFamily="18" charset="0"/>
+                <a:cs typeface="Times New Roman" panose="02020603050405020304" pitchFamily="18" charset="0"/>
+              </a:rPr>
+              <a:t>Advantages</a:t>
+            </a:r>
+          </a:p>
+        </p:txBody>
+      </p:sp>
+      <p:sp>
+        <p:nvSpPr>
+          <p:cNvPr id="3" name="Text Placeholder 2">
+            <a:extLst>
+              <a:ext uri="{FF2B5EF4-FFF2-40B4-BE49-F238E27FC236}">
+                <a16:creationId xmlns:a16="http://schemas.microsoft.com/office/drawing/2014/main" id="{F7FEF87C-C573-E764-C3B4-B4E2E09AAD4E}"/>
+              </a:ext>
+            </a:extLst>
+          </p:cNvPr>
+          <p:cNvSpPr>
+            <a:spLocks noGrp="1"/>
+          </p:cNvSpPr>
+          <p:nvPr>
+            <p:ph type="body"/>
+          </p:nvPr>
+        </p:nvSpPr>
+        <p:spPr>
+          <a:xfrm>
+            <a:off x="457200" y="2360644"/>
+            <a:ext cx="8229240" cy="3221155"/>
+          </a:xfrm>
+        </p:spPr>
+        <p:txBody>
+          <a:bodyPr>
+            <a:normAutofit/>
+          </a:bodyPr>
+          <a:lstStyle/>
+          <a:p>
+            <a:pPr marL="0" indent="0">
+              <a:lnSpc>
+                <a:spcPct val="150000"/>
+              </a:lnSpc>
+              <a:buNone/>
+            </a:pPr>
+            <a:r>
+              <a:rPr lang="en-IN" sz="1800" b="1" dirty="0">
+                <a:latin typeface="Times New Roman" panose="02020603050405020304" pitchFamily="18" charset="0"/>
+                <a:cs typeface="Times New Roman" panose="02020603050405020304" pitchFamily="18" charset="0"/>
+              </a:rPr>
+              <a:t>Saves Time</a:t>
+            </a:r>
+            <a:r>
+              <a:rPr lang="en-IN" sz="1800" dirty="0">
+                <a:latin typeface="Times New Roman" panose="02020603050405020304" pitchFamily="18" charset="0"/>
+                <a:cs typeface="Times New Roman" panose="02020603050405020304" pitchFamily="18" charset="0"/>
+              </a:rPr>
+              <a:t> – No need to manually go through commit logs.</a:t>
+            </a:r>
+            <a:br>
+              <a:rPr lang="en-IN" sz="1800" dirty="0">
+                <a:latin typeface="Times New Roman" panose="02020603050405020304" pitchFamily="18" charset="0"/>
+                <a:cs typeface="Times New Roman" panose="02020603050405020304" pitchFamily="18" charset="0"/>
+              </a:rPr>
+            </a:br>
+            <a:r>
+              <a:rPr lang="en-IN" sz="1800" b="1" dirty="0">
+                <a:latin typeface="Times New Roman" panose="02020603050405020304" pitchFamily="18" charset="0"/>
+                <a:cs typeface="Times New Roman" panose="02020603050405020304" pitchFamily="18" charset="0"/>
+              </a:rPr>
+              <a:t>Boosts Productivity</a:t>
+            </a:r>
+            <a:r>
+              <a:rPr lang="en-IN" sz="1800" dirty="0">
+                <a:latin typeface="Times New Roman" panose="02020603050405020304" pitchFamily="18" charset="0"/>
+                <a:cs typeface="Times New Roman" panose="02020603050405020304" pitchFamily="18" charset="0"/>
+              </a:rPr>
+              <a:t> – AI-assisted code search &amp; commit summaries.</a:t>
+            </a:r>
+            <a:br>
+              <a:rPr lang="en-IN" sz="1800" dirty="0">
+                <a:latin typeface="Times New Roman" panose="02020603050405020304" pitchFamily="18" charset="0"/>
+                <a:cs typeface="Times New Roman" panose="02020603050405020304" pitchFamily="18" charset="0"/>
+              </a:rPr>
+            </a:br>
+            <a:r>
+              <a:rPr lang="en-IN" sz="1800" b="1" dirty="0">
+                <a:latin typeface="Times New Roman" panose="02020603050405020304" pitchFamily="18" charset="0"/>
+                <a:cs typeface="Times New Roman" panose="02020603050405020304" pitchFamily="18" charset="0"/>
+              </a:rPr>
+              <a:t>Improves Collaboration</a:t>
+            </a:r>
+            <a:r>
+              <a:rPr lang="en-IN" sz="1800" dirty="0">
+                <a:latin typeface="Times New Roman" panose="02020603050405020304" pitchFamily="18" charset="0"/>
+                <a:cs typeface="Times New Roman" panose="02020603050405020304" pitchFamily="18" charset="0"/>
+              </a:rPr>
+              <a:t> – Meeting insights &amp; searchable transcriptions.</a:t>
+            </a:r>
+            <a:br>
+              <a:rPr lang="en-IN" sz="1800" dirty="0">
+                <a:latin typeface="Times New Roman" panose="02020603050405020304" pitchFamily="18" charset="0"/>
+                <a:cs typeface="Times New Roman" panose="02020603050405020304" pitchFamily="18" charset="0"/>
+              </a:rPr>
+            </a:br>
+            <a:r>
+              <a:rPr lang="en-IN" sz="1800" b="1" dirty="0">
+                <a:latin typeface="Times New Roman" panose="02020603050405020304" pitchFamily="18" charset="0"/>
+                <a:cs typeface="Times New Roman" panose="02020603050405020304" pitchFamily="18" charset="0"/>
+              </a:rPr>
+              <a:t>Easy Integration</a:t>
+            </a:r>
+            <a:r>
+              <a:rPr lang="en-IN" sz="1800" dirty="0">
+                <a:latin typeface="Times New Roman" panose="02020603050405020304" pitchFamily="18" charset="0"/>
+                <a:cs typeface="Times New Roman" panose="02020603050405020304" pitchFamily="18" charset="0"/>
+              </a:rPr>
+              <a:t> – Works with GitHub for seamless project management.</a:t>
+            </a:r>
+            <a:br>
+              <a:rPr lang="en-IN" sz="1800" dirty="0">
+                <a:latin typeface="Times New Roman" panose="02020603050405020304" pitchFamily="18" charset="0"/>
+                <a:cs typeface="Times New Roman" panose="02020603050405020304" pitchFamily="18" charset="0"/>
+              </a:rPr>
+            </a:br>
+            <a:r>
+              <a:rPr lang="en-IN" sz="1800" b="1" dirty="0">
+                <a:latin typeface="Times New Roman" panose="02020603050405020304" pitchFamily="18" charset="0"/>
+                <a:cs typeface="Times New Roman" panose="02020603050405020304" pitchFamily="18" charset="0"/>
+              </a:rPr>
+              <a:t>Seamless Integration with GitHub - </a:t>
+            </a:r>
+            <a:r>
+              <a:rPr lang="en-US" sz="1800" dirty="0">
+                <a:latin typeface="Times New Roman" panose="02020603050405020304" pitchFamily="18" charset="0"/>
+                <a:cs typeface="Times New Roman" panose="02020603050405020304" pitchFamily="18" charset="0"/>
+              </a:rPr>
+              <a:t>Syncs with GitHub repositories in real-time.</a:t>
+            </a:r>
+            <a:br>
+              <a:rPr lang="en-IN" sz="1800" dirty="0">
+                <a:latin typeface="Times New Roman" panose="02020603050405020304" pitchFamily="18" charset="0"/>
+                <a:cs typeface="Times New Roman" panose="02020603050405020304" pitchFamily="18" charset="0"/>
+              </a:rPr>
+            </a:br>
+            <a:endParaRPr lang="en-US" sz="1800" dirty="0">
+              <a:latin typeface="Times New Roman" panose="02020603050405020304" pitchFamily="18" charset="0"/>
+              <a:cs typeface="Times New Roman" panose="02020603050405020304" pitchFamily="18" charset="0"/>
+            </a:endParaRPr>
+          </a:p>
+          <a:p>
+            <a:pPr marL="0" indent="0">
+              <a:lnSpc>
+                <a:spcPct val="150000"/>
+              </a:lnSpc>
+              <a:buNone/>
+            </a:pPr>
+            <a:endParaRPr lang="en-IN" sz="1800" dirty="0">
+              <a:latin typeface="Times New Roman" panose="02020603050405020304" pitchFamily="18" charset="0"/>
+              <a:cs typeface="Times New Roman" panose="02020603050405020304" pitchFamily="18" charset="0"/>
+            </a:endParaRPr>
+          </a:p>
+        </p:txBody>
+      </p:sp>
+    </p:spTree>
+    <p:extLst>
+      <p:ext uri="{BB962C8B-B14F-4D97-AF65-F5344CB8AC3E}">
+        <p14:creationId xmlns:p14="http://schemas.microsoft.com/office/powerpoint/2010/main" val="3559633336"/>
       </p:ext>
     </p:extLst>
   </p:cSld>
@@ -5695,7 +5893,7 @@
         </p:nvSpPr>
         <p:spPr>
           <a:xfrm>
-            <a:off x="622967" y="849367"/>
+            <a:off x="622967" y="639055"/>
             <a:ext cx="7404591" cy="6315640"/>
           </a:xfrm>
           <a:prstGeom prst="rect">
@@ -6017,229 +6215,6 @@
       </p:grpSpPr>
       <p:sp>
         <p:nvSpPr>
-          <p:cNvPr id="2" name="Title 1">
-            <a:extLst>
-              <a:ext uri="{FF2B5EF4-FFF2-40B4-BE49-F238E27FC236}">
-                <a16:creationId xmlns:a16="http://schemas.microsoft.com/office/drawing/2014/main" id="{6ABC4400-13B6-285C-5362-FD2E0F45643D}"/>
-              </a:ext>
-            </a:extLst>
-          </p:cNvPr>
-          <p:cNvSpPr>
-            <a:spLocks noGrp="1"/>
-          </p:cNvSpPr>
-          <p:nvPr>
-            <p:ph type="title"/>
-          </p:nvPr>
-        </p:nvSpPr>
-        <p:spPr>
-          <a:xfrm>
-            <a:off x="2286000" y="1026367"/>
-            <a:ext cx="3900196" cy="821093"/>
-          </a:xfrm>
-        </p:spPr>
-        <p:txBody>
-          <a:bodyPr/>
-          <a:lstStyle/>
-          <a:p>
-            <a:r>
-              <a:rPr lang="en-IN" dirty="0"/>
-              <a:t>   </a:t>
-            </a:r>
-            <a:r>
-              <a:rPr lang="en-IN" dirty="0">
-                <a:latin typeface="Times New Roman" panose="02020603050405020304" pitchFamily="18" charset="0"/>
-                <a:cs typeface="Times New Roman" panose="02020603050405020304" pitchFamily="18" charset="0"/>
-              </a:rPr>
-              <a:t>Advantages</a:t>
-            </a:r>
-          </a:p>
-        </p:txBody>
-      </p:sp>
-      <p:sp>
-        <p:nvSpPr>
-          <p:cNvPr id="3" name="Text Placeholder 2">
-            <a:extLst>
-              <a:ext uri="{FF2B5EF4-FFF2-40B4-BE49-F238E27FC236}">
-                <a16:creationId xmlns:a16="http://schemas.microsoft.com/office/drawing/2014/main" id="{F7FEF87C-C573-E764-C3B4-B4E2E09AAD4E}"/>
-              </a:ext>
-            </a:extLst>
-          </p:cNvPr>
-          <p:cNvSpPr>
-            <a:spLocks noGrp="1"/>
-          </p:cNvSpPr>
-          <p:nvPr>
-            <p:ph type="body"/>
-          </p:nvPr>
-        </p:nvSpPr>
-        <p:spPr>
-          <a:xfrm>
-            <a:off x="457200" y="2360644"/>
-            <a:ext cx="8229240" cy="3221155"/>
-          </a:xfrm>
-        </p:spPr>
-        <p:txBody>
-          <a:bodyPr>
-            <a:normAutofit/>
-          </a:bodyPr>
-          <a:lstStyle/>
-          <a:p>
-            <a:pPr marL="0" indent="0">
-              <a:lnSpc>
-                <a:spcPct val="150000"/>
-              </a:lnSpc>
-              <a:buNone/>
-            </a:pPr>
-            <a:r>
-              <a:rPr lang="en-IN" sz="1800" b="1" dirty="0">
-                <a:latin typeface="Times New Roman" panose="02020603050405020304" pitchFamily="18" charset="0"/>
-                <a:cs typeface="Times New Roman" panose="02020603050405020304" pitchFamily="18" charset="0"/>
-              </a:rPr>
-              <a:t>Saves Time</a:t>
-            </a:r>
-            <a:r>
-              <a:rPr lang="en-IN" sz="1800" dirty="0">
-                <a:latin typeface="Times New Roman" panose="02020603050405020304" pitchFamily="18" charset="0"/>
-                <a:cs typeface="Times New Roman" panose="02020603050405020304" pitchFamily="18" charset="0"/>
-              </a:rPr>
-              <a:t> – No need to manually go through commit logs.</a:t>
-            </a:r>
-            <a:br>
-              <a:rPr lang="en-IN" sz="1800" dirty="0">
-                <a:latin typeface="Times New Roman" panose="02020603050405020304" pitchFamily="18" charset="0"/>
-                <a:cs typeface="Times New Roman" panose="02020603050405020304" pitchFamily="18" charset="0"/>
-              </a:rPr>
-            </a:br>
-            <a:r>
-              <a:rPr lang="en-IN" sz="1800" b="1" dirty="0">
-                <a:latin typeface="Times New Roman" panose="02020603050405020304" pitchFamily="18" charset="0"/>
-                <a:cs typeface="Times New Roman" panose="02020603050405020304" pitchFamily="18" charset="0"/>
-              </a:rPr>
-              <a:t>Boosts Productivity</a:t>
-            </a:r>
-            <a:r>
-              <a:rPr lang="en-IN" sz="1800" dirty="0">
-                <a:latin typeface="Times New Roman" panose="02020603050405020304" pitchFamily="18" charset="0"/>
-                <a:cs typeface="Times New Roman" panose="02020603050405020304" pitchFamily="18" charset="0"/>
-              </a:rPr>
-              <a:t> – AI-assisted code search &amp; commit summaries.</a:t>
-            </a:r>
-            <a:br>
-              <a:rPr lang="en-IN" sz="1800" dirty="0">
-                <a:latin typeface="Times New Roman" panose="02020603050405020304" pitchFamily="18" charset="0"/>
-                <a:cs typeface="Times New Roman" panose="02020603050405020304" pitchFamily="18" charset="0"/>
-              </a:rPr>
-            </a:br>
-            <a:r>
-              <a:rPr lang="en-IN" sz="1800" b="1" dirty="0">
-                <a:latin typeface="Times New Roman" panose="02020603050405020304" pitchFamily="18" charset="0"/>
-                <a:cs typeface="Times New Roman" panose="02020603050405020304" pitchFamily="18" charset="0"/>
-              </a:rPr>
-              <a:t>Improves Collaboration</a:t>
-            </a:r>
-            <a:r>
-              <a:rPr lang="en-IN" sz="1800" dirty="0">
-                <a:latin typeface="Times New Roman" panose="02020603050405020304" pitchFamily="18" charset="0"/>
-                <a:cs typeface="Times New Roman" panose="02020603050405020304" pitchFamily="18" charset="0"/>
-              </a:rPr>
-              <a:t> – Meeting insights &amp; searchable transcriptions.</a:t>
-            </a:r>
-            <a:br>
-              <a:rPr lang="en-IN" sz="1800" dirty="0">
-                <a:latin typeface="Times New Roman" panose="02020603050405020304" pitchFamily="18" charset="0"/>
-                <a:cs typeface="Times New Roman" panose="02020603050405020304" pitchFamily="18" charset="0"/>
-              </a:rPr>
-            </a:br>
-            <a:r>
-              <a:rPr lang="en-IN" sz="1800" b="1" dirty="0">
-                <a:latin typeface="Times New Roman" panose="02020603050405020304" pitchFamily="18" charset="0"/>
-                <a:cs typeface="Times New Roman" panose="02020603050405020304" pitchFamily="18" charset="0"/>
-              </a:rPr>
-              <a:t>Easy Integration</a:t>
-            </a:r>
-            <a:r>
-              <a:rPr lang="en-IN" sz="1800" dirty="0">
-                <a:latin typeface="Times New Roman" panose="02020603050405020304" pitchFamily="18" charset="0"/>
-                <a:cs typeface="Times New Roman" panose="02020603050405020304" pitchFamily="18" charset="0"/>
-              </a:rPr>
-              <a:t> – Works with GitHub for seamless project management.</a:t>
-            </a:r>
-            <a:br>
-              <a:rPr lang="en-IN" sz="1800" dirty="0">
-                <a:latin typeface="Times New Roman" panose="02020603050405020304" pitchFamily="18" charset="0"/>
-                <a:cs typeface="Times New Roman" panose="02020603050405020304" pitchFamily="18" charset="0"/>
-              </a:rPr>
-            </a:br>
-            <a:r>
-              <a:rPr lang="en-IN" sz="1800" b="1" dirty="0">
-                <a:latin typeface="Times New Roman" panose="02020603050405020304" pitchFamily="18" charset="0"/>
-                <a:cs typeface="Times New Roman" panose="02020603050405020304" pitchFamily="18" charset="0"/>
-              </a:rPr>
-              <a:t>Seamless Integration with GitHub - </a:t>
-            </a:r>
-            <a:r>
-              <a:rPr lang="en-US" sz="1800" dirty="0">
-                <a:latin typeface="Times New Roman" panose="02020603050405020304" pitchFamily="18" charset="0"/>
-                <a:cs typeface="Times New Roman" panose="02020603050405020304" pitchFamily="18" charset="0"/>
-              </a:rPr>
-              <a:t>Syncs with GitHub repositories in real-time.</a:t>
-            </a:r>
-            <a:br>
-              <a:rPr lang="en-IN" sz="1800" dirty="0">
-                <a:latin typeface="Times New Roman" panose="02020603050405020304" pitchFamily="18" charset="0"/>
-                <a:cs typeface="Times New Roman" panose="02020603050405020304" pitchFamily="18" charset="0"/>
-              </a:rPr>
-            </a:br>
-            <a:endParaRPr lang="en-US" sz="1800" dirty="0">
-              <a:latin typeface="Times New Roman" panose="02020603050405020304" pitchFamily="18" charset="0"/>
-              <a:cs typeface="Times New Roman" panose="02020603050405020304" pitchFamily="18" charset="0"/>
-            </a:endParaRPr>
-          </a:p>
-          <a:p>
-            <a:pPr marL="0" indent="0">
-              <a:lnSpc>
-                <a:spcPct val="150000"/>
-              </a:lnSpc>
-              <a:buNone/>
-            </a:pPr>
-            <a:endParaRPr lang="en-IN" sz="1800" dirty="0">
-              <a:latin typeface="Times New Roman" panose="02020603050405020304" pitchFamily="18" charset="0"/>
-              <a:cs typeface="Times New Roman" panose="02020603050405020304" pitchFamily="18" charset="0"/>
-            </a:endParaRPr>
-          </a:p>
-        </p:txBody>
-      </p:sp>
-    </p:spTree>
-    <p:extLst>
-      <p:ext uri="{BB962C8B-B14F-4D97-AF65-F5344CB8AC3E}">
-        <p14:creationId xmlns:p14="http://schemas.microsoft.com/office/powerpoint/2010/main" val="3559633336"/>
-      </p:ext>
-    </p:extLst>
-  </p:cSld>
-  <p:clrMapOvr>
-    <a:masterClrMapping/>
-  </p:clrMapOvr>
-</p:sld>
-</file>
-
-<file path=ppt/slides/slide8.xml><?xml version="1.0" encoding="utf-8"?>
-<p:sld xmlns:a="http://schemas.openxmlformats.org/drawingml/2006/main" xmlns:r="http://schemas.openxmlformats.org/officeDocument/2006/relationships" xmlns:p="http://schemas.openxmlformats.org/presentationml/2006/main">
-  <p:cSld>
-    <p:spTree>
-      <p:nvGrpSpPr>
-        <p:cNvPr id="1" name=""/>
-        <p:cNvGrpSpPr/>
-        <p:nvPr/>
-      </p:nvGrpSpPr>
-      <p:grpSpPr>
-        <a:xfrm>
-          <a:off x="0" y="0"/>
-          <a:ext cx="0" cy="0"/>
-          <a:chOff x="0" y="0"/>
-          <a:chExt cx="0" cy="0"/>
-        </a:xfrm>
-      </p:grpSpPr>
-      <p:sp>
-        <p:nvSpPr>
           <p:cNvPr id="4" name="TextBox 3">
             <a:extLst>
               <a:ext uri="{FF2B5EF4-FFF2-40B4-BE49-F238E27FC236}">
@@ -6355,7 +6330,7 @@
 </p:sld>
 </file>
 
-<file path=ppt/slides/slide9.xml><?xml version="1.0" encoding="utf-8"?>
+<file path=ppt/slides/slide8.xml><?xml version="1.0" encoding="utf-8"?>
 <p:sld xmlns:a="http://schemas.openxmlformats.org/drawingml/2006/main" xmlns:r="http://schemas.openxmlformats.org/officeDocument/2006/relationships" xmlns:p="http://schemas.openxmlformats.org/presentationml/2006/main">
   <p:cSld>
     <p:spTree>
@@ -6448,6 +6423,72 @@
     <p:extLst>
       <p:ext uri="{BB962C8B-B14F-4D97-AF65-F5344CB8AC3E}">
         <p14:creationId xmlns:p14="http://schemas.microsoft.com/office/powerpoint/2010/main" val="2099439563"/>
+      </p:ext>
+    </p:extLst>
+  </p:cSld>
+  <p:clrMapOvr>
+    <a:masterClrMapping/>
+  </p:clrMapOvr>
+</p:sld>
+</file>
+
+<file path=ppt/slides/slide9.xml><?xml version="1.0" encoding="utf-8"?>
+<p:sld xmlns:a="http://schemas.openxmlformats.org/drawingml/2006/main" xmlns:r="http://schemas.openxmlformats.org/officeDocument/2006/relationships" xmlns:p="http://schemas.openxmlformats.org/presentationml/2006/main">
+  <p:cSld>
+    <p:spTree>
+      <p:nvGrpSpPr>
+        <p:cNvPr id="1" name=""/>
+        <p:cNvGrpSpPr/>
+        <p:nvPr/>
+      </p:nvGrpSpPr>
+      <p:grpSpPr>
+        <a:xfrm>
+          <a:off x="0" y="0"/>
+          <a:ext cx="0" cy="0"/>
+          <a:chOff x="0" y="0"/>
+          <a:chExt cx="0" cy="0"/>
+        </a:xfrm>
+      </p:grpSpPr>
+      <p:pic>
+        <p:nvPicPr>
+          <p:cNvPr id="3" name="Picture 2">
+            <a:extLst>
+              <a:ext uri="{FF2B5EF4-FFF2-40B4-BE49-F238E27FC236}">
+                <a16:creationId xmlns:a16="http://schemas.microsoft.com/office/drawing/2014/main" id="{603D8BD8-FD66-2547-EE0F-A0637389F156}"/>
+              </a:ext>
+            </a:extLst>
+          </p:cNvPr>
+          <p:cNvPicPr>
+            <a:picLocks noChangeAspect="1"/>
+          </p:cNvPicPr>
+          <p:nvPr/>
+        </p:nvPicPr>
+        <p:blipFill>
+          <a:blip r:embed="rId2">
+            <a:extLst>
+              <a:ext uri="{28A0092B-C50C-407E-A947-70E740481C1C}">
+                <a14:useLocalDpi xmlns:a14="http://schemas.microsoft.com/office/drawing/2010/main" val="0"/>
+              </a:ext>
+            </a:extLst>
+          </a:blip>
+          <a:stretch>
+            <a:fillRect/>
+          </a:stretch>
+        </p:blipFill>
+        <p:spPr>
+          <a:xfrm>
+            <a:off x="401215" y="1662891"/>
+            <a:ext cx="8035911" cy="3842170"/>
+          </a:xfrm>
+          <a:prstGeom prst="rect">
+            <a:avLst/>
+          </a:prstGeom>
+        </p:spPr>
+      </p:pic>
+    </p:spTree>
+    <p:extLst>
+      <p:ext uri="{BB962C8B-B14F-4D97-AF65-F5344CB8AC3E}">
+        <p14:creationId xmlns:p14="http://schemas.microsoft.com/office/powerpoint/2010/main" val="3640956502"/>
       </p:ext>
     </p:extLst>
   </p:cSld>
@@ -7213,12 +7254,9 @@
 </file>
 
 <file path=customXml/item1.xml><?xml version="1.0" encoding="utf-8"?>
-<?mso-contentType ?>
-<FormTemplates xmlns="http://schemas.microsoft.com/sharepoint/v3/contenttype/forms">
-  <Display>DocumentLibraryForm</Display>
-  <Edit>DocumentLibraryForm</Edit>
-  <New>DocumentLibraryForm</New>
-</FormTemplates>
+<p:properties xmlns:p="http://schemas.microsoft.com/office/2006/metadata/properties" xmlns:xsi="http://www.w3.org/2001/XMLSchema-instance" xmlns:pc="http://schemas.microsoft.com/office/infopath/2007/PartnerControls">
+  <documentManagement/>
+</p:properties>
 </file>
 
 <file path=customXml/item2.xml><?xml version="1.0" encoding="utf-8"?>
@@ -7336,14 +7374,26 @@
 </file>
 
 <file path=customXml/item3.xml><?xml version="1.0" encoding="utf-8"?>
-<p:properties xmlns:p="http://schemas.microsoft.com/office/2006/metadata/properties" xmlns:xsi="http://www.w3.org/2001/XMLSchema-instance" xmlns:pc="http://schemas.microsoft.com/office/infopath/2007/PartnerControls">
-  <documentManagement/>
-</p:properties>
+<?mso-contentType ?>
+<FormTemplates xmlns="http://schemas.microsoft.com/sharepoint/v3/contenttype/forms">
+  <Display>DocumentLibraryForm</Display>
+  <Edit>DocumentLibraryForm</Edit>
+  <New>DocumentLibraryForm</New>
+</FormTemplates>
 </file>
 
 <file path=customXml/itemProps1.xml><?xml version="1.0" encoding="utf-8"?>
-<ds:datastoreItem xmlns:ds="http://schemas.openxmlformats.org/officeDocument/2006/customXml" ds:itemID="{737ED6F0-5E4C-4CD0-9B68-9C53F925A6F7}">
-  <ds:schemaRefs/>
+<ds:datastoreItem xmlns:ds="http://schemas.openxmlformats.org/officeDocument/2006/customXml" ds:itemID="{4A62A602-78C1-468C-BB25-57CD481DB741}">
+  <ds:schemaRefs>
+    <ds:schemaRef ds:uri="http://schemas.openxmlformats.org/package/2006/metadata/core-properties"/>
+    <ds:schemaRef ds:uri="http://schemas.microsoft.com/office/2006/documentManagement/types"/>
+    <ds:schemaRef ds:uri="http://www.w3.org/XML/1998/namespace"/>
+    <ds:schemaRef ds:uri="http://purl.org/dc/terms/"/>
+    <ds:schemaRef ds:uri="http://schemas.microsoft.com/office/infopath/2007/PartnerControls"/>
+    <ds:schemaRef ds:uri="http://schemas.microsoft.com/office/2006/metadata/properties"/>
+    <ds:schemaRef ds:uri="http://purl.org/dc/dcmitype/"/>
+    <ds:schemaRef ds:uri="http://purl.org/dc/elements/1.1/"/>
+  </ds:schemaRefs>
 </ds:datastoreItem>
 </file>
 
@@ -7354,7 +7404,7 @@
 </file>
 
 <file path=customXml/itemProps3.xml><?xml version="1.0" encoding="utf-8"?>
-<ds:datastoreItem xmlns:ds="http://schemas.openxmlformats.org/officeDocument/2006/customXml" ds:itemID="{4A62A602-78C1-468C-BB25-57CD481DB741}">
+<ds:datastoreItem xmlns:ds="http://schemas.openxmlformats.org/officeDocument/2006/customXml" ds:itemID="{737ED6F0-5E4C-4CD0-9B68-9C53F925A6F7}">
   <ds:schemaRefs/>
 </ds:datastoreItem>
 </file>